--- a/content/talk/osssg-2021a/doing-reproducible-science.pptx
+++ b/content/talk/osssg-2021a/doing-reproducible-science.pptx
@@ -5,7 +5,7 @@
     <p:sldMasterId id="2147483801" r:id="rId1"/>
   </p:sldMasterIdLst>
   <p:notesMasterIdLst>
-    <p:notesMasterId r:id="rId29"/>
+    <p:notesMasterId r:id="rId30"/>
   </p:notesMasterIdLst>
   <p:sldIdLst>
     <p:sldId id="256" r:id="rId2"/>
@@ -18,23 +18,24 @@
     <p:sldId id="281" r:id="rId9"/>
     <p:sldId id="291" r:id="rId10"/>
     <p:sldId id="289" r:id="rId11"/>
-    <p:sldId id="260" r:id="rId12"/>
-    <p:sldId id="292" r:id="rId13"/>
-    <p:sldId id="261" r:id="rId14"/>
-    <p:sldId id="293" r:id="rId15"/>
-    <p:sldId id="280" r:id="rId16"/>
-    <p:sldId id="282" r:id="rId17"/>
-    <p:sldId id="284" r:id="rId18"/>
-    <p:sldId id="285" r:id="rId19"/>
-    <p:sldId id="286" r:id="rId20"/>
-    <p:sldId id="273" r:id="rId21"/>
-    <p:sldId id="294" r:id="rId22"/>
-    <p:sldId id="279" r:id="rId23"/>
-    <p:sldId id="276" r:id="rId24"/>
-    <p:sldId id="278" r:id="rId25"/>
-    <p:sldId id="277" r:id="rId26"/>
-    <p:sldId id="262" r:id="rId27"/>
-    <p:sldId id="287" r:id="rId28"/>
+    <p:sldId id="295" r:id="rId12"/>
+    <p:sldId id="260" r:id="rId13"/>
+    <p:sldId id="292" r:id="rId14"/>
+    <p:sldId id="261" r:id="rId15"/>
+    <p:sldId id="293" r:id="rId16"/>
+    <p:sldId id="280" r:id="rId17"/>
+    <p:sldId id="282" r:id="rId18"/>
+    <p:sldId id="284" r:id="rId19"/>
+    <p:sldId id="285" r:id="rId20"/>
+    <p:sldId id="286" r:id="rId21"/>
+    <p:sldId id="273" r:id="rId22"/>
+    <p:sldId id="294" r:id="rId23"/>
+    <p:sldId id="279" r:id="rId24"/>
+    <p:sldId id="276" r:id="rId25"/>
+    <p:sldId id="278" r:id="rId26"/>
+    <p:sldId id="277" r:id="rId27"/>
+    <p:sldId id="262" r:id="rId28"/>
+    <p:sldId id="287" r:id="rId29"/>
   </p:sldIdLst>
   <p:sldSz cx="12192000" cy="6858000"/>
   <p:notesSz cx="6858000" cy="9144000"/>
@@ -223,7 +224,7 @@
           <a:p>
             <a:fld id="{92DFE74F-0CA2-254E-8684-2DDB5E8B7D63}" type="datetimeFigureOut">
               <a:rPr lang="en-US" smtClean="0"/>
-              <a:t>1/28/21</a:t>
+              <a:t>1/30/21</a:t>
             </a:fld>
             <a:endParaRPr lang="en-US"/>
           </a:p>
@@ -618,10 +619,6 @@
           <a:bodyPr/>
           <a:lstStyle/>
           <a:p>
-            <a:r>
-              <a:rPr lang="en-CA" sz="1200" dirty="0"/>
-              <a:t>Many of the skills you will learn making your work reproducible will make you valuable outside of academia too</a:t>
-            </a:r>
             <a:endParaRPr lang="en-US" dirty="0"/>
           </a:p>
         </p:txBody>
@@ -652,7 +649,7 @@
     </p:spTree>
     <p:extLst>
       <p:ext uri="{BB962C8B-B14F-4D97-AF65-F5344CB8AC3E}">
-        <p14:creationId xmlns:p14="http://schemas.microsoft.com/office/powerpoint/2010/main" val="3804888884"/>
+        <p14:creationId xmlns:p14="http://schemas.microsoft.com/office/powerpoint/2010/main" val="908470357"/>
       </p:ext>
     </p:extLst>
   </p:cSld>
@@ -707,9 +704,10 @@
           <a:lstStyle/>
           <a:p>
             <a:r>
-              <a:rPr lang="en-US" dirty="0"/>
-              <a:t>Most journals do not peer-review code at all at the time of writing this. So, you will likely have to ask a colleague who is not involved in the project to help you with this (in exchange for acknowledgement) or hire someone to do so through something like Red Team Markets.</a:t>
-            </a:r>
+              <a:rPr lang="en-CA" sz="1200" dirty="0"/>
+              <a:t>Many of the skills you will learn making your work reproducible will make you valuable outside of academia too</a:t>
+            </a:r>
+            <a:endParaRPr lang="en-US" dirty="0"/>
           </a:p>
         </p:txBody>
       </p:sp>
@@ -730,7 +728,7 @@
           <a:p>
             <a:fld id="{9C7D59A0-03FE-F141-889B-D63C0005F76B}" type="slidenum">
               <a:rPr lang="en-US" smtClean="0"/>
-              <a:t>17</a:t>
+              <a:t>14</a:t>
             </a:fld>
             <a:endParaRPr lang="en-US"/>
           </a:p>
@@ -739,7 +737,7 @@
     </p:spTree>
     <p:extLst>
       <p:ext uri="{BB962C8B-B14F-4D97-AF65-F5344CB8AC3E}">
-        <p14:creationId xmlns:p14="http://schemas.microsoft.com/office/powerpoint/2010/main" val="1720442969"/>
+        <p14:creationId xmlns:p14="http://schemas.microsoft.com/office/powerpoint/2010/main" val="3804888884"/>
       </p:ext>
     </p:extLst>
   </p:cSld>
@@ -794,57 +792,9 @@
           <a:lstStyle/>
           <a:p>
             <a:r>
-              <a:rPr lang="en-CA" dirty="0">
-                <a:effectLst/>
-              </a:rPr>
-              <a:t>Meta-data is any description of data associated with the results that's important for reproducing the analysis and interpretation of the results described in the manuscript, including but not limited to:</a:t>
-            </a:r>
-          </a:p>
-          <a:p>
-            <a:pPr marL="171450" indent="-171450">
-              <a:buFontTx/>
-              <a:buChar char="-"/>
-            </a:pPr>
-            <a:r>
-              <a:rPr lang="en-CA" dirty="0">
-                <a:effectLst/>
-              </a:rPr>
-              <a:t>Codebooks</a:t>
-            </a:r>
-          </a:p>
-          <a:p>
-            <a:pPr marL="171450" indent="-171450">
-              <a:buFontTx/>
-              <a:buChar char="-"/>
-            </a:pPr>
-            <a:r>
-              <a:rPr lang="en-CA" dirty="0">
-                <a:effectLst/>
-              </a:rPr>
-              <a:t>Any experimental observations that affect the analysis</a:t>
-            </a:r>
-          </a:p>
-          <a:p>
-            <a:pPr marL="171450" indent="-171450">
-              <a:buFontTx/>
-              <a:buChar char="-"/>
-            </a:pPr>
-            <a:r>
-              <a:rPr lang="en-CA" dirty="0">
-                <a:effectLst/>
-              </a:rPr>
-              <a:t>Field-specific considerations (e.g., preprocessing neuroimaging data, storage conditions of cells or tissues, etc.)</a:t>
-            </a:r>
-          </a:p>
-          <a:p>
-            <a:br>
-              <a:rPr lang="en-CA" dirty="0">
-                <a:effectLst/>
-              </a:rPr>
-            </a:br>
-            <a:endParaRPr lang="en-CA" dirty="0">
-              <a:effectLst/>
-            </a:endParaRPr>
+              <a:rPr lang="en-US" dirty="0"/>
+              <a:t>Most journals do not peer-review code at all at the time of writing this. So, you will likely have to ask a colleague who is not involved in the project to help you with this (in exchange for acknowledgement) or hire someone to do so through something like Red Team Markets.</a:t>
+            </a:r>
           </a:p>
         </p:txBody>
       </p:sp>
@@ -874,7 +824,7 @@
     </p:spTree>
     <p:extLst>
       <p:ext uri="{BB962C8B-B14F-4D97-AF65-F5344CB8AC3E}">
-        <p14:creationId xmlns:p14="http://schemas.microsoft.com/office/powerpoint/2010/main" val="1994021499"/>
+        <p14:creationId xmlns:p14="http://schemas.microsoft.com/office/powerpoint/2010/main" val="1720442969"/>
       </p:ext>
     </p:extLst>
   </p:cSld>
@@ -928,7 +878,58 @@
           <a:bodyPr/>
           <a:lstStyle/>
           <a:p>
-            <a:endParaRPr lang="en-US" dirty="0"/>
+            <a:r>
+              <a:rPr lang="en-CA" dirty="0">
+                <a:effectLst/>
+              </a:rPr>
+              <a:t>Meta-data is any description of data associated with the results that's important for reproducing the analysis and interpretation of the results described in the manuscript, including but not limited to:</a:t>
+            </a:r>
+          </a:p>
+          <a:p>
+            <a:pPr marL="171450" indent="-171450">
+              <a:buFontTx/>
+              <a:buChar char="-"/>
+            </a:pPr>
+            <a:r>
+              <a:rPr lang="en-CA" dirty="0">
+                <a:effectLst/>
+              </a:rPr>
+              <a:t>Codebooks</a:t>
+            </a:r>
+          </a:p>
+          <a:p>
+            <a:pPr marL="171450" indent="-171450">
+              <a:buFontTx/>
+              <a:buChar char="-"/>
+            </a:pPr>
+            <a:r>
+              <a:rPr lang="en-CA" dirty="0">
+                <a:effectLst/>
+              </a:rPr>
+              <a:t>Any experimental observations that affect the analysis</a:t>
+            </a:r>
+          </a:p>
+          <a:p>
+            <a:pPr marL="171450" indent="-171450">
+              <a:buFontTx/>
+              <a:buChar char="-"/>
+            </a:pPr>
+            <a:r>
+              <a:rPr lang="en-CA" dirty="0">
+                <a:effectLst/>
+              </a:rPr>
+              <a:t>Field-specific considerations (e.g., preprocessing neuroimaging data, storage conditions of cells or tissues, etc.)</a:t>
+            </a:r>
+          </a:p>
+          <a:p>
+            <a:br>
+              <a:rPr lang="en-CA" dirty="0">
+                <a:effectLst/>
+              </a:rPr>
+            </a:br>
+            <a:endParaRPr lang="en-CA" dirty="0">
+              <a:effectLst/>
+            </a:endParaRPr>
           </a:p>
         </p:txBody>
       </p:sp>
@@ -939,7 +940,7 @@
             <a:spLocks noGrp="1"/>
           </p:cNvSpPr>
           <p:nvPr>
-            <p:ph type="sldNum" sz="quarter" idx="10"/>
+            <p:ph type="sldNum" sz="quarter" idx="5"/>
           </p:nvPr>
         </p:nvSpPr>
         <p:spPr/>
@@ -949,7 +950,7 @@
           <a:p>
             <a:fld id="{9C7D59A0-03FE-F141-889B-D63C0005F76B}" type="slidenum">
               <a:rPr lang="en-US" smtClean="0"/>
-              <a:t>20</a:t>
+              <a:t>19</a:t>
             </a:fld>
             <a:endParaRPr lang="en-US"/>
           </a:p>
@@ -958,7 +959,7 @@
     </p:spTree>
     <p:extLst>
       <p:ext uri="{BB962C8B-B14F-4D97-AF65-F5344CB8AC3E}">
-        <p14:creationId xmlns:p14="http://schemas.microsoft.com/office/powerpoint/2010/main" val="27223369"/>
+        <p14:creationId xmlns:p14="http://schemas.microsoft.com/office/powerpoint/2010/main" val="1994021499"/>
       </p:ext>
     </p:extLst>
   </p:cSld>
@@ -1012,64 +1013,7 @@
           <a:bodyPr/>
           <a:lstStyle/>
           <a:p>
-            <a:pPr fontAlgn="base"/>
-            <a:r>
-              <a:rPr lang="en-CA" sz="2400" dirty="0"/>
-              <a:t>Session 2 will be a hands-on workshop</a:t>
-            </a:r>
-          </a:p>
-          <a:p>
-            <a:pPr fontAlgn="base"/>
-            <a:r>
-              <a:rPr lang="en-CA" sz="2400" dirty="0"/>
-              <a:t>Our current idea is “Writing reproducible manuscripts”</a:t>
-            </a:r>
-          </a:p>
-          <a:p>
-            <a:pPr fontAlgn="base"/>
-            <a:r>
-              <a:rPr lang="en-CA" sz="2400" dirty="0"/>
-              <a:t>We would like feedback on:</a:t>
-            </a:r>
-          </a:p>
-          <a:p>
-            <a:pPr lvl="1" fontAlgn="base"/>
-            <a:r>
-              <a:rPr lang="en-CA" sz="2400" dirty="0"/>
-              <a:t>What you are interested in learning from the workshop</a:t>
-            </a:r>
-          </a:p>
-          <a:p>
-            <a:pPr lvl="1" fontAlgn="base"/>
-            <a:r>
-              <a:rPr lang="en-CA" sz="2400" dirty="0"/>
-              <a:t>Your experience with coding</a:t>
-            </a:r>
-          </a:p>
-          <a:p>
-            <a:pPr lvl="1" fontAlgn="base"/>
-            <a:r>
-              <a:rPr lang="en-CA" sz="2400" dirty="0"/>
-              <a:t>Your experience with Git and GitHub</a:t>
-            </a:r>
-          </a:p>
-          <a:p>
-            <a:pPr lvl="1" fontAlgn="base"/>
-            <a:r>
-              <a:rPr lang="en-CA" sz="2400" dirty="0"/>
-              <a:t>Are you comfortable installing R on your computer, creating a GitHub account, etc. if you have not used these before?</a:t>
-            </a:r>
-          </a:p>
-          <a:p>
-            <a:pPr fontAlgn="base"/>
-            <a:r>
-              <a:rPr lang="en-CA" sz="2400" i="1" dirty="0"/>
-              <a:t>Please</a:t>
-            </a:r>
-            <a:r>
-              <a:rPr lang="en-CA" sz="2400" dirty="0"/>
-              <a:t> discuss this with us on Slack</a:t>
-            </a:r>
+            <a:endParaRPr lang="en-US" dirty="0"/>
           </a:p>
         </p:txBody>
       </p:sp>
@@ -1099,7 +1043,7 @@
     </p:spTree>
     <p:extLst>
       <p:ext uri="{BB962C8B-B14F-4D97-AF65-F5344CB8AC3E}">
-        <p14:creationId xmlns:p14="http://schemas.microsoft.com/office/powerpoint/2010/main" val="491124868"/>
+        <p14:creationId xmlns:p14="http://schemas.microsoft.com/office/powerpoint/2010/main" val="27223369"/>
       </p:ext>
     </p:extLst>
   </p:cSld>
@@ -1153,7 +1097,64 @@
           <a:bodyPr/>
           <a:lstStyle/>
           <a:p>
-            <a:endParaRPr lang="en-US" dirty="0"/>
+            <a:pPr fontAlgn="base"/>
+            <a:r>
+              <a:rPr lang="en-CA" sz="2400" dirty="0"/>
+              <a:t>Session 2 will be a hands-on workshop</a:t>
+            </a:r>
+          </a:p>
+          <a:p>
+            <a:pPr fontAlgn="base"/>
+            <a:r>
+              <a:rPr lang="en-CA" sz="2400" dirty="0"/>
+              <a:t>Our current idea is “Writing reproducible manuscripts”</a:t>
+            </a:r>
+          </a:p>
+          <a:p>
+            <a:pPr fontAlgn="base"/>
+            <a:r>
+              <a:rPr lang="en-CA" sz="2400" dirty="0"/>
+              <a:t>We would like feedback on:</a:t>
+            </a:r>
+          </a:p>
+          <a:p>
+            <a:pPr lvl="1" fontAlgn="base"/>
+            <a:r>
+              <a:rPr lang="en-CA" sz="2400" dirty="0"/>
+              <a:t>What you are interested in learning from the workshop</a:t>
+            </a:r>
+          </a:p>
+          <a:p>
+            <a:pPr lvl="1" fontAlgn="base"/>
+            <a:r>
+              <a:rPr lang="en-CA" sz="2400" dirty="0"/>
+              <a:t>Your experience with coding</a:t>
+            </a:r>
+          </a:p>
+          <a:p>
+            <a:pPr lvl="1" fontAlgn="base"/>
+            <a:r>
+              <a:rPr lang="en-CA" sz="2400" dirty="0"/>
+              <a:t>Your experience with Git and GitHub</a:t>
+            </a:r>
+          </a:p>
+          <a:p>
+            <a:pPr lvl="1" fontAlgn="base"/>
+            <a:r>
+              <a:rPr lang="en-CA" sz="2400" dirty="0"/>
+              <a:t>Are you comfortable installing R on your computer, creating a GitHub account, etc. if you have not used these before?</a:t>
+            </a:r>
+          </a:p>
+          <a:p>
+            <a:pPr fontAlgn="base"/>
+            <a:r>
+              <a:rPr lang="en-CA" sz="2400" i="1" dirty="0"/>
+              <a:t>Please</a:t>
+            </a:r>
+            <a:r>
+              <a:rPr lang="en-CA" sz="2400" dirty="0"/>
+              <a:t> discuss this with us on Slack</a:t>
+            </a:r>
           </a:p>
         </p:txBody>
       </p:sp>
@@ -1164,7 +1165,7 @@
             <a:spLocks noGrp="1"/>
           </p:cNvSpPr>
           <p:nvPr>
-            <p:ph type="sldNum" sz="quarter" idx="5"/>
+            <p:ph type="sldNum" sz="quarter" idx="10"/>
           </p:nvPr>
         </p:nvSpPr>
         <p:spPr/>
@@ -1174,7 +1175,7 @@
           <a:p>
             <a:fld id="{9C7D59A0-03FE-F141-889B-D63C0005F76B}" type="slidenum">
               <a:rPr lang="en-US" smtClean="0"/>
-              <a:t>23</a:t>
+              <a:t>22</a:t>
             </a:fld>
             <a:endParaRPr lang="en-US"/>
           </a:p>
@@ -1183,7 +1184,7 @@
     </p:spTree>
     <p:extLst>
       <p:ext uri="{BB962C8B-B14F-4D97-AF65-F5344CB8AC3E}">
-        <p14:creationId xmlns:p14="http://schemas.microsoft.com/office/powerpoint/2010/main" val="1526632852"/>
+        <p14:creationId xmlns:p14="http://schemas.microsoft.com/office/powerpoint/2010/main" val="491124868"/>
       </p:ext>
     </p:extLst>
   </p:cSld>
@@ -1267,7 +1268,7 @@
     </p:spTree>
     <p:extLst>
       <p:ext uri="{BB962C8B-B14F-4D97-AF65-F5344CB8AC3E}">
-        <p14:creationId xmlns:p14="http://schemas.microsoft.com/office/powerpoint/2010/main" val="37630147"/>
+        <p14:creationId xmlns:p14="http://schemas.microsoft.com/office/powerpoint/2010/main" val="1526632852"/>
       </p:ext>
     </p:extLst>
   </p:cSld>
@@ -1342,7 +1343,91 @@
           <a:p>
             <a:fld id="{9C7D59A0-03FE-F141-889B-D63C0005F76B}" type="slidenum">
               <a:rPr lang="en-US" smtClean="0"/>
-              <a:t>27</a:t>
+              <a:t>25</a:t>
+            </a:fld>
+            <a:endParaRPr lang="en-US"/>
+          </a:p>
+        </p:txBody>
+      </p:sp>
+    </p:spTree>
+    <p:extLst>
+      <p:ext uri="{BB962C8B-B14F-4D97-AF65-F5344CB8AC3E}">
+        <p14:creationId xmlns:p14="http://schemas.microsoft.com/office/powerpoint/2010/main" val="37630147"/>
+      </p:ext>
+    </p:extLst>
+  </p:cSld>
+  <p:clrMapOvr>
+    <a:masterClrMapping/>
+  </p:clrMapOvr>
+</p:notes>
+</file>
+
+<file path=ppt/notesSlides/notesSlide18.xml><?xml version="1.0" encoding="utf-8"?>
+<p:notes xmlns:a="http://schemas.openxmlformats.org/drawingml/2006/main" xmlns:r="http://schemas.openxmlformats.org/officeDocument/2006/relationships" xmlns:p="http://schemas.openxmlformats.org/presentationml/2006/main">
+  <p:cSld>
+    <p:spTree>
+      <p:nvGrpSpPr>
+        <p:cNvPr id="1" name=""/>
+        <p:cNvGrpSpPr/>
+        <p:nvPr/>
+      </p:nvGrpSpPr>
+      <p:grpSpPr>
+        <a:xfrm>
+          <a:off x="0" y="0"/>
+          <a:ext cx="0" cy="0"/>
+          <a:chOff x="0" y="0"/>
+          <a:chExt cx="0" cy="0"/>
+        </a:xfrm>
+      </p:grpSpPr>
+      <p:sp>
+        <p:nvSpPr>
+          <p:cNvPr id="2" name="Slide Image Placeholder 1"/>
+          <p:cNvSpPr>
+            <a:spLocks noGrp="1" noRot="1" noChangeAspect="1"/>
+          </p:cNvSpPr>
+          <p:nvPr>
+            <p:ph type="sldImg"/>
+          </p:nvPr>
+        </p:nvSpPr>
+        <p:spPr/>
+      </p:sp>
+      <p:sp>
+        <p:nvSpPr>
+          <p:cNvPr id="3" name="Notes Placeholder 2"/>
+          <p:cNvSpPr>
+            <a:spLocks noGrp="1"/>
+          </p:cNvSpPr>
+          <p:nvPr>
+            <p:ph type="body" idx="1"/>
+          </p:nvPr>
+        </p:nvSpPr>
+        <p:spPr/>
+        <p:txBody>
+          <a:bodyPr/>
+          <a:lstStyle/>
+          <a:p>
+            <a:endParaRPr lang="en-US" dirty="0"/>
+          </a:p>
+        </p:txBody>
+      </p:sp>
+      <p:sp>
+        <p:nvSpPr>
+          <p:cNvPr id="4" name="Slide Number Placeholder 3"/>
+          <p:cNvSpPr>
+            <a:spLocks noGrp="1"/>
+          </p:cNvSpPr>
+          <p:nvPr>
+            <p:ph type="sldNum" sz="quarter" idx="5"/>
+          </p:nvPr>
+        </p:nvSpPr>
+        <p:spPr/>
+        <p:txBody>
+          <a:bodyPr/>
+          <a:lstStyle/>
+          <a:p>
+            <a:fld id="{9C7D59A0-03FE-F141-889B-D63C0005F76B}" type="slidenum">
+              <a:rPr lang="en-US" smtClean="0"/>
+              <a:t>28</a:t>
             </a:fld>
             <a:endParaRPr lang="en-US"/>
           </a:p>
@@ -2104,7 +2189,7 @@
     </p:spTree>
     <p:extLst>
       <p:ext uri="{BB962C8B-B14F-4D97-AF65-F5344CB8AC3E}">
-        <p14:creationId xmlns:p14="http://schemas.microsoft.com/office/powerpoint/2010/main" val="3259760630"/>
+        <p14:creationId xmlns:p14="http://schemas.microsoft.com/office/powerpoint/2010/main" val="1762854437"/>
       </p:ext>
     </p:extLst>
   </p:cSld>
@@ -2188,7 +2273,7 @@
     </p:spTree>
     <p:extLst>
       <p:ext uri="{BB962C8B-B14F-4D97-AF65-F5344CB8AC3E}">
-        <p14:creationId xmlns:p14="http://schemas.microsoft.com/office/powerpoint/2010/main" val="908470357"/>
+        <p14:creationId xmlns:p14="http://schemas.microsoft.com/office/powerpoint/2010/main" val="3259760630"/>
       </p:ext>
     </p:extLst>
   </p:cSld>
@@ -2361,7 +2446,7 @@
           <a:p>
             <a:fld id="{D4A213A3-10E9-421F-81BE-56E0786AB515}" type="datetime2">
               <a:rPr lang="en-US" smtClean="0"/>
-              <a:t>Thursday, January 28, 2021</a:t>
+              <a:t>Saturday, January 30, 2021</a:t>
             </a:fld>
             <a:endParaRPr lang="en-US"/>
           </a:p>
@@ -2559,7 +2644,7 @@
           <a:p>
             <a:fld id="{3D5DABC0-2199-478F-BA77-33A651B6CB89}" type="datetime2">
               <a:rPr lang="en-US" smtClean="0"/>
-              <a:t>Thursday, January 28, 2021</a:t>
+              <a:t>Saturday, January 30, 2021</a:t>
             </a:fld>
             <a:endParaRPr lang="en-US"/>
           </a:p>
@@ -2768,7 +2853,7 @@
           <a:p>
             <a:fld id="{D72230C6-DF61-47F4-B8C5-1B70E884BF06}" type="datetime2">
               <a:rPr lang="en-US" smtClean="0"/>
-              <a:t>Thursday, January 28, 2021</a:t>
+              <a:t>Saturday, January 30, 2021</a:t>
             </a:fld>
             <a:endParaRPr lang="en-US"/>
           </a:p>
@@ -2978,7 +3063,7 @@
           <a:p>
             <a:fld id="{6B12B50C-7EEE-46CD-BAF7-BBC4026D959A}" type="datetime2">
               <a:rPr lang="en-US" smtClean="0"/>
-              <a:t>Thursday, January 28, 2021</a:t>
+              <a:t>Saturday, January 30, 2021</a:t>
             </a:fld>
             <a:endParaRPr lang="en-US"/>
           </a:p>
@@ -3258,7 +3343,7 @@
           <a:p>
             <a:fld id="{8D4211C4-AE09-4254-A5E3-6DA9B099C971}" type="datetime2">
               <a:rPr lang="en-US" smtClean="0"/>
-              <a:t>Thursday, January 28, 2021</a:t>
+              <a:t>Saturday, January 30, 2021</a:t>
             </a:fld>
             <a:endParaRPr lang="en-US"/>
           </a:p>
@@ -3537,7 +3622,7 @@
           <a:p>
             <a:fld id="{681742C3-E082-4760-93B2-E209268DD00C}" type="datetime2">
               <a:rPr lang="en-US" smtClean="0"/>
-              <a:t>Thursday, January 28, 2021</a:t>
+              <a:t>Saturday, January 30, 2021</a:t>
             </a:fld>
             <a:endParaRPr lang="en-US"/>
           </a:p>
@@ -3958,7 +4043,7 @@
           <a:p>
             <a:fld id="{3B6FC950-F824-48B9-B984-CAEE265865E5}" type="datetime2">
               <a:rPr lang="en-US" smtClean="0"/>
-              <a:t>Thursday, January 28, 2021</a:t>
+              <a:t>Saturday, January 30, 2021</a:t>
             </a:fld>
             <a:endParaRPr lang="en-US"/>
           </a:p>
@@ -4111,7 +4196,7 @@
           <a:p>
             <a:fld id="{BC8E3A0F-68E7-4D17-BB84-ED1BA4F6AC6B}" type="datetime2">
               <a:rPr lang="en-US" smtClean="0"/>
-              <a:t>Thursday, January 28, 2021</a:t>
+              <a:t>Saturday, January 30, 2021</a:t>
             </a:fld>
             <a:endParaRPr lang="en-US"/>
           </a:p>
@@ -4224,7 +4309,7 @@
           <a:p>
             <a:fld id="{EDB7BC4F-EDA1-4BA2-BFF3-FE5B31CCB58B}" type="datetime2">
               <a:rPr lang="en-US" smtClean="0"/>
-              <a:t>Thursday, January 28, 2021</a:t>
+              <a:t>Saturday, January 30, 2021</a:t>
             </a:fld>
             <a:endParaRPr lang="en-US"/>
           </a:p>
@@ -4538,7 +4623,7 @@
           <a:p>
             <a:fld id="{3AAE694C-1394-4838-A564-7380835C2E77}" type="datetime2">
               <a:rPr lang="en-US" smtClean="0"/>
-              <a:t>Thursday, January 28, 2021</a:t>
+              <a:t>Saturday, January 30, 2021</a:t>
             </a:fld>
             <a:endParaRPr lang="en-US"/>
           </a:p>
@@ -4831,7 +4916,7 @@
           <a:p>
             <a:fld id="{CAB84B19-1A00-4EDB-8425-E1827A377364}" type="datetime2">
               <a:rPr lang="en-US" smtClean="0"/>
-              <a:t>Thursday, January 28, 2021</a:t>
+              <a:t>Saturday, January 30, 2021</a:t>
             </a:fld>
             <a:endParaRPr lang="en-US"/>
           </a:p>
@@ -5205,7 +5290,7 @@
           <a:p>
             <a:fld id="{10076A27-8146-4F75-9851-A83577C6FD8A}" type="datetime2">
               <a:rPr lang="en-US" smtClean="0"/>
-              <a:t>Thursday, January 28, 2021</a:t>
+              <a:t>Saturday, January 30, 2021</a:t>
             </a:fld>
             <a:endParaRPr lang="en-US"/>
           </a:p>
@@ -6376,33 +6461,27 @@
           <a:p>
             <a:r>
               <a:rPr lang="en-CA" sz="2400" dirty="0"/>
-              <a:t>Set a </a:t>
+              <a:t>Use </a:t>
             </a:r>
             <a:r>
               <a:rPr lang="en-CA" sz="2400" dirty="0">
                 <a:hlinkClick r:id="rId3"/>
               </a:rPr>
-              <a:t>seed</a:t>
-            </a:r>
-            <a:r>
-              <a:rPr lang="en-CA" sz="2400" dirty="0"/>
-              <a:t> before running any code/syntax that relies on a randomization function</a:t>
-            </a:r>
-          </a:p>
-          <a:p>
-            <a:r>
-              <a:rPr lang="en-CA" sz="2400" dirty="0"/>
-              <a:t>Use </a:t>
+              <a:t>GitHub Releases</a:t>
+            </a:r>
+            <a:r>
+              <a:rPr lang="en-CA" sz="2400" dirty="0"/>
+              <a:t> and/or </a:t>
             </a:r>
             <a:r>
               <a:rPr lang="en-CA" sz="2400" dirty="0">
                 <a:hlinkClick r:id="rId4"/>
               </a:rPr>
-              <a:t>Internet Archive</a:t>
-            </a:r>
-            <a:r>
-              <a:rPr lang="en-CA" sz="2400" dirty="0"/>
-              <a:t> URLs or save webpage data if you are web mining</a:t>
+              <a:t>OSF Registrations</a:t>
+            </a:r>
+            <a:r>
+              <a:rPr lang="en-CA" sz="2400" dirty="0"/>
+              <a:t> to take snapshots of your project at different stages</a:t>
             </a:r>
           </a:p>
         </p:txBody>
@@ -6490,6 +6569,171 @@
           </a:xfrm>
         </p:spPr>
         <p:txBody>
+          <a:bodyPr>
+            <a:normAutofit/>
+          </a:bodyPr>
+          <a:lstStyle/>
+          <a:p>
+            <a:r>
+              <a:rPr lang="en-CA" sz="4400" dirty="0"/>
+              <a:t>Other Tips </a:t>
+            </a:r>
+            <a:r>
+              <a:rPr lang="en-CA" sz="4400" dirty="0" err="1"/>
+              <a:t>Cont</a:t>
+            </a:r>
+            <a:r>
+              <a:rPr lang="en-CA" sz="4400" dirty="0"/>
+              <a:t>’</a:t>
+            </a:r>
+            <a:endParaRPr lang="en-US" dirty="0"/>
+          </a:p>
+        </p:txBody>
+      </p:sp>
+      <p:sp>
+        <p:nvSpPr>
+          <p:cNvPr id="3" name="Content Placeholder 2">
+            <a:extLst>
+              <a:ext uri="{FF2B5EF4-FFF2-40B4-BE49-F238E27FC236}">
+                <a16:creationId xmlns:a16="http://schemas.microsoft.com/office/drawing/2014/main" id="{7C6B6CDB-BDEE-B147-BA18-5023125F8469}"/>
+              </a:ext>
+            </a:extLst>
+          </p:cNvPr>
+          <p:cNvSpPr>
+            <a:spLocks noGrp="1"/>
+          </p:cNvSpPr>
+          <p:nvPr>
+            <p:ph idx="1"/>
+          </p:nvPr>
+        </p:nvSpPr>
+        <p:spPr>
+          <a:xfrm>
+            <a:off x="385872" y="1272728"/>
+            <a:ext cx="10875686" cy="4751554"/>
+          </a:xfrm>
+        </p:spPr>
+        <p:txBody>
+          <a:bodyPr numCol="1">
+            <a:noAutofit/>
+          </a:bodyPr>
+          <a:lstStyle/>
+          <a:p>
+            <a:r>
+              <a:rPr lang="en-CA" sz="2400" dirty="0"/>
+              <a:t>Set a </a:t>
+            </a:r>
+            <a:r>
+              <a:rPr lang="en-CA" sz="2400" dirty="0">
+                <a:hlinkClick r:id="rId3"/>
+              </a:rPr>
+              <a:t>seed</a:t>
+            </a:r>
+            <a:r>
+              <a:rPr lang="en-CA" sz="2400" dirty="0"/>
+              <a:t> before running any code/syntax that relies on a randomization function</a:t>
+            </a:r>
+          </a:p>
+          <a:p>
+            <a:r>
+              <a:rPr lang="en-CA" sz="2400" dirty="0"/>
+              <a:t>Use </a:t>
+            </a:r>
+            <a:r>
+              <a:rPr lang="en-CA" sz="2400" dirty="0">
+                <a:hlinkClick r:id="rId4"/>
+              </a:rPr>
+              <a:t>Internet Archive</a:t>
+            </a:r>
+            <a:r>
+              <a:rPr lang="en-CA" sz="2400" dirty="0"/>
+              <a:t> URLs or save webpage data if you are web mining</a:t>
+            </a:r>
+          </a:p>
+        </p:txBody>
+      </p:sp>
+      <p:pic>
+        <p:nvPicPr>
+          <p:cNvPr id="4" name="Picture 3" descr="Shape&#10;&#10;Description automatically generated">
+            <a:extLst>
+              <a:ext uri="{FF2B5EF4-FFF2-40B4-BE49-F238E27FC236}">
+                <a16:creationId xmlns:a16="http://schemas.microsoft.com/office/drawing/2014/main" id="{55E47950-7388-9445-8993-33ED5BE2AB07}"/>
+              </a:ext>
+            </a:extLst>
+          </p:cNvPr>
+          <p:cNvPicPr>
+            <a:picLocks noChangeAspect="1"/>
+          </p:cNvPicPr>
+          <p:nvPr/>
+        </p:nvPicPr>
+        <p:blipFill>
+          <a:blip r:embed="rId5"/>
+          <a:stretch>
+            <a:fillRect/>
+          </a:stretch>
+        </p:blipFill>
+        <p:spPr>
+          <a:xfrm>
+            <a:off x="10693849" y="5245658"/>
+            <a:ext cx="1667940" cy="1667940"/>
+          </a:xfrm>
+          <a:prstGeom prst="rect">
+            <a:avLst/>
+          </a:prstGeom>
+        </p:spPr>
+      </p:pic>
+    </p:spTree>
+    <p:extLst>
+      <p:ext uri="{BB962C8B-B14F-4D97-AF65-F5344CB8AC3E}">
+        <p14:creationId xmlns:p14="http://schemas.microsoft.com/office/powerpoint/2010/main" val="327127433"/>
+      </p:ext>
+    </p:extLst>
+  </p:cSld>
+  <p:clrMapOvr>
+    <a:masterClrMapping/>
+  </p:clrMapOvr>
+</p:sld>
+</file>
+
+<file path=ppt/slides/slide12.xml><?xml version="1.0" encoding="utf-8"?>
+<p:sld xmlns:a="http://schemas.openxmlformats.org/drawingml/2006/main" xmlns:r="http://schemas.openxmlformats.org/officeDocument/2006/relationships" xmlns:p="http://schemas.openxmlformats.org/presentationml/2006/main">
+  <p:cSld>
+    <p:spTree>
+      <p:nvGrpSpPr>
+        <p:cNvPr id="1" name=""/>
+        <p:cNvGrpSpPr/>
+        <p:nvPr/>
+      </p:nvGrpSpPr>
+      <p:grpSpPr>
+        <a:xfrm>
+          <a:off x="0" y="0"/>
+          <a:ext cx="0" cy="0"/>
+          <a:chOff x="0" y="0"/>
+          <a:chExt cx="0" cy="0"/>
+        </a:xfrm>
+      </p:grpSpPr>
+      <p:sp>
+        <p:nvSpPr>
+          <p:cNvPr id="2" name="Title 1">
+            <a:extLst>
+              <a:ext uri="{FF2B5EF4-FFF2-40B4-BE49-F238E27FC236}">
+                <a16:creationId xmlns:a16="http://schemas.microsoft.com/office/drawing/2014/main" id="{AA18194F-CF50-7243-93E2-C559EF7DE68B}"/>
+              </a:ext>
+            </a:extLst>
+          </p:cNvPr>
+          <p:cNvSpPr>
+            <a:spLocks noGrp="1"/>
+          </p:cNvSpPr>
+          <p:nvPr>
+            <p:ph type="title"/>
+          </p:nvPr>
+        </p:nvSpPr>
+        <p:spPr>
+          <a:xfrm>
+            <a:off x="385872" y="-186612"/>
+            <a:ext cx="11673869" cy="1112168"/>
+          </a:xfrm>
+        </p:spPr>
+        <p:txBody>
           <a:bodyPr/>
           <a:lstStyle/>
           <a:p>
@@ -6617,7 +6861,7 @@
 </p:sld>
 </file>
 
-<file path=ppt/slides/slide12.xml><?xml version="1.0" encoding="utf-8"?>
+<file path=ppt/slides/slide13.xml><?xml version="1.0" encoding="utf-8"?>
 <p:sld xmlns:a="http://schemas.openxmlformats.org/drawingml/2006/main" xmlns:r="http://schemas.openxmlformats.org/officeDocument/2006/relationships" xmlns:p="http://schemas.openxmlformats.org/presentationml/2006/main">
   <p:cSld>
     <p:spTree>
@@ -6789,7 +7033,7 @@
 </p:sld>
 </file>
 
-<file path=ppt/slides/slide13.xml><?xml version="1.0" encoding="utf-8"?>
+<file path=ppt/slides/slide14.xml><?xml version="1.0" encoding="utf-8"?>
 <p:sld xmlns:a="http://schemas.openxmlformats.org/drawingml/2006/main" xmlns:r="http://schemas.openxmlformats.org/officeDocument/2006/relationships" xmlns:p="http://schemas.openxmlformats.org/presentationml/2006/main">
   <p:cSld>
     <p:spTree>
@@ -6962,7 +7206,7 @@
 </p:sld>
 </file>
 
-<file path=ppt/slides/slide14.xml><?xml version="1.0" encoding="utf-8"?>
+<file path=ppt/slides/slide15.xml><?xml version="1.0" encoding="utf-8"?>
 <p:sld xmlns:a="http://schemas.openxmlformats.org/drawingml/2006/main" xmlns:r="http://schemas.openxmlformats.org/officeDocument/2006/relationships" xmlns:p="http://schemas.openxmlformats.org/presentationml/2006/main">
   <p:cSld>
     <p:spTree>
@@ -7126,7 +7370,7 @@
 </p:sld>
 </file>
 
-<file path=ppt/slides/slide15.xml><?xml version="1.0" encoding="utf-8"?>
+<file path=ppt/slides/slide16.xml><?xml version="1.0" encoding="utf-8"?>
 <p:sld xmlns:a="http://schemas.openxmlformats.org/drawingml/2006/main" xmlns:r="http://schemas.openxmlformats.org/officeDocument/2006/relationships" xmlns:p="http://schemas.openxmlformats.org/presentationml/2006/main">
   <p:cSld>
     <p:spTree>
@@ -7274,7 +7518,7 @@
 </p:sld>
 </file>
 
-<file path=ppt/slides/slide16.xml><?xml version="1.0" encoding="utf-8"?>
+<file path=ppt/slides/slide17.xml><?xml version="1.0" encoding="utf-8"?>
 <p:sld xmlns:a="http://schemas.openxmlformats.org/drawingml/2006/main" xmlns:r="http://schemas.openxmlformats.org/officeDocument/2006/relationships" xmlns:p="http://schemas.openxmlformats.org/presentationml/2006/main">
   <p:cSld>
     <p:spTree>
@@ -7626,7 +7870,7 @@
 </p:sld>
 </file>
 
-<file path=ppt/slides/slide17.xml><?xml version="1.0" encoding="utf-8"?>
+<file path=ppt/slides/slide18.xml><?xml version="1.0" encoding="utf-8"?>
 <p:sld xmlns:a="http://schemas.openxmlformats.org/drawingml/2006/main" xmlns:r="http://schemas.openxmlformats.org/officeDocument/2006/relationships" xmlns:p="http://schemas.openxmlformats.org/presentationml/2006/main">
   <p:cSld>
     <p:spTree>
@@ -7874,7 +8118,7 @@
 </p:sld>
 </file>
 
-<file path=ppt/slides/slide18.xml><?xml version="1.0" encoding="utf-8"?>
+<file path=ppt/slides/slide19.xml><?xml version="1.0" encoding="utf-8"?>
 <p:sld xmlns:a="http://schemas.openxmlformats.org/drawingml/2006/main" xmlns:r="http://schemas.openxmlformats.org/officeDocument/2006/relationships" xmlns:p="http://schemas.openxmlformats.org/presentationml/2006/main">
   <p:cSld>
     <p:spTree>
@@ -8119,229 +8363,6 @@
     <p:extLst>
       <p:ext uri="{BB962C8B-B14F-4D97-AF65-F5344CB8AC3E}">
         <p14:creationId xmlns:p14="http://schemas.microsoft.com/office/powerpoint/2010/main" val="3913555624"/>
-      </p:ext>
-    </p:extLst>
-  </p:cSld>
-  <p:clrMapOvr>
-    <a:masterClrMapping/>
-  </p:clrMapOvr>
-</p:sld>
-</file>
-
-<file path=ppt/slides/slide19.xml><?xml version="1.0" encoding="utf-8"?>
-<p:sld xmlns:a="http://schemas.openxmlformats.org/drawingml/2006/main" xmlns:r="http://schemas.openxmlformats.org/officeDocument/2006/relationships" xmlns:p="http://schemas.openxmlformats.org/presentationml/2006/main">
-  <p:cSld>
-    <p:spTree>
-      <p:nvGrpSpPr>
-        <p:cNvPr id="1" name=""/>
-        <p:cNvGrpSpPr/>
-        <p:nvPr/>
-      </p:nvGrpSpPr>
-      <p:grpSpPr>
-        <a:xfrm>
-          <a:off x="0" y="0"/>
-          <a:ext cx="0" cy="0"/>
-          <a:chOff x="0" y="0"/>
-          <a:chExt cx="0" cy="0"/>
-        </a:xfrm>
-      </p:grpSpPr>
-      <p:sp>
-        <p:nvSpPr>
-          <p:cNvPr id="2" name="Title 1">
-            <a:extLst>
-              <a:ext uri="{FF2B5EF4-FFF2-40B4-BE49-F238E27FC236}">
-                <a16:creationId xmlns:a16="http://schemas.microsoft.com/office/drawing/2014/main" id="{AA18194F-CF50-7243-93E2-C559EF7DE68B}"/>
-              </a:ext>
-            </a:extLst>
-          </p:cNvPr>
-          <p:cNvSpPr>
-            <a:spLocks noGrp="1"/>
-          </p:cNvSpPr>
-          <p:nvPr>
-            <p:ph type="title"/>
-          </p:nvPr>
-        </p:nvSpPr>
-        <p:spPr>
-          <a:xfrm>
-            <a:off x="385872" y="-186612"/>
-            <a:ext cx="11673869" cy="1112168"/>
-          </a:xfrm>
-        </p:spPr>
-        <p:txBody>
-          <a:bodyPr/>
-          <a:lstStyle/>
-          <a:p>
-            <a:r>
-              <a:rPr lang="en-CA" sz="4400" dirty="0"/>
-              <a:t>Reproducibility Checklist</a:t>
-            </a:r>
-            <a:endParaRPr lang="en-US" dirty="0"/>
-          </a:p>
-        </p:txBody>
-      </p:sp>
-      <p:sp>
-        <p:nvSpPr>
-          <p:cNvPr id="3" name="Content Placeholder 2">
-            <a:extLst>
-              <a:ext uri="{FF2B5EF4-FFF2-40B4-BE49-F238E27FC236}">
-                <a16:creationId xmlns:a16="http://schemas.microsoft.com/office/drawing/2014/main" id="{7C6B6CDB-BDEE-B147-BA18-5023125F8469}"/>
-              </a:ext>
-            </a:extLst>
-          </p:cNvPr>
-          <p:cNvSpPr>
-            <a:spLocks noGrp="1"/>
-          </p:cNvSpPr>
-          <p:nvPr>
-            <p:ph idx="1"/>
-          </p:nvPr>
-        </p:nvSpPr>
-        <p:spPr>
-          <a:xfrm>
-            <a:off x="385872" y="1272728"/>
-            <a:ext cx="10875686" cy="4713134"/>
-          </a:xfrm>
-        </p:spPr>
-        <p:txBody>
-          <a:bodyPr>
-            <a:noAutofit/>
-          </a:bodyPr>
-          <a:lstStyle/>
-          <a:p>
-            <a:r>
-              <a:rPr lang="en-CA" sz="1900" b="1" i="0" u="none" strike="noStrike" dirty="0">
-                <a:effectLst/>
-              </a:rPr>
-              <a:t>Is your manuscript written in a reproducible format? (R Markdown, </a:t>
-            </a:r>
-            <a:r>
-              <a:rPr lang="en-CA" sz="1900" b="1" i="0" u="none" strike="noStrike" dirty="0" err="1">
-                <a:effectLst/>
-              </a:rPr>
-              <a:t>Jupyter</a:t>
-            </a:r>
-            <a:r>
-              <a:rPr lang="en-CA" sz="1900" b="1" i="0" u="none" strike="noStrike" dirty="0">
-                <a:effectLst/>
-              </a:rPr>
-              <a:t> Notebook)</a:t>
-            </a:r>
-          </a:p>
-          <a:p>
-            <a:pPr lvl="1"/>
-            <a:r>
-              <a:rPr lang="en-CA" sz="1900" dirty="0"/>
-              <a:t>D</a:t>
-            </a:r>
-            <a:r>
-              <a:rPr lang="en-CA" sz="1900" i="0" u="none" strike="noStrike" dirty="0">
-                <a:effectLst/>
-              </a:rPr>
-              <a:t>o you report statistics and other numbers using inline code?</a:t>
-            </a:r>
-          </a:p>
-          <a:p>
-            <a:pPr lvl="1"/>
-            <a:r>
-              <a:rPr lang="en-CA" sz="1900" dirty="0"/>
-              <a:t>Do you generate, report, and embed tables and figures using code?</a:t>
-            </a:r>
-          </a:p>
-          <a:p>
-            <a:pPr lvl="1"/>
-            <a:r>
-              <a:rPr lang="en-CA" sz="1900" i="0" u="none" strike="noStrike" dirty="0">
-                <a:effectLst/>
-              </a:rPr>
-              <a:t>Is all your</a:t>
-            </a:r>
-            <a:r>
-              <a:rPr lang="en-CA" sz="1900" dirty="0"/>
-              <a:t> project code called within your manuscript?</a:t>
-            </a:r>
-          </a:p>
-          <a:p>
-            <a:pPr lvl="2"/>
-            <a:r>
-              <a:rPr lang="en-CA" sz="1700" i="0" u="none" strike="noStrike" dirty="0">
-                <a:effectLst/>
-              </a:rPr>
-              <a:t>If yes, consider splitting project code into separate script files, then calling those within the manuscript for readability</a:t>
-            </a:r>
-          </a:p>
-          <a:p>
-            <a:pPr lvl="1"/>
-            <a:r>
-              <a:rPr lang="en-CA" sz="1900" dirty="0"/>
-              <a:t>Is your manuscript output suitable for the forum you plan to share it in? (Preprint, Journal, Talk, Website)</a:t>
-            </a:r>
-          </a:p>
-          <a:p>
-            <a:pPr lvl="2"/>
-            <a:r>
-              <a:rPr lang="en-CA" sz="1700" i="0" u="none" strike="noStrike" dirty="0">
-                <a:effectLst/>
-              </a:rPr>
-              <a:t>If no, </a:t>
-            </a:r>
-            <a:r>
-              <a:rPr lang="en-CA" sz="1700" dirty="0"/>
-              <a:t>do you document the additional steps needed to finish formatting your manuscript?</a:t>
-            </a:r>
-          </a:p>
-          <a:p>
-            <a:r>
-              <a:rPr lang="en-CA" sz="1900" b="1" i="0" u="none" strike="noStrike" dirty="0">
-                <a:effectLst/>
-              </a:rPr>
-              <a:t>Have you gotten anyone to try to reproduce your results?</a:t>
-            </a:r>
-          </a:p>
-          <a:p>
-            <a:pPr lvl="1"/>
-            <a:r>
-              <a:rPr lang="en-CA" sz="1900" dirty="0"/>
-              <a:t>Were they successful?</a:t>
-            </a:r>
-            <a:endParaRPr lang="en-CA" sz="1900" i="0" u="none" strike="noStrike" dirty="0">
-              <a:effectLst/>
-            </a:endParaRPr>
-          </a:p>
-        </p:txBody>
-      </p:sp>
-      <p:pic>
-        <p:nvPicPr>
-          <p:cNvPr id="4" name="Picture 3" descr="Shape&#10;&#10;Description automatically generated">
-            <a:extLst>
-              <a:ext uri="{FF2B5EF4-FFF2-40B4-BE49-F238E27FC236}">
-                <a16:creationId xmlns:a16="http://schemas.microsoft.com/office/drawing/2014/main" id="{55E47950-7388-9445-8993-33ED5BE2AB07}"/>
-              </a:ext>
-            </a:extLst>
-          </p:cNvPr>
-          <p:cNvPicPr>
-            <a:picLocks noChangeAspect="1"/>
-          </p:cNvPicPr>
-          <p:nvPr/>
-        </p:nvPicPr>
-        <p:blipFill>
-          <a:blip r:embed="rId2"/>
-          <a:stretch>
-            <a:fillRect/>
-          </a:stretch>
-        </p:blipFill>
-        <p:spPr>
-          <a:xfrm>
-            <a:off x="10693849" y="5245658"/>
-            <a:ext cx="1667940" cy="1667940"/>
-          </a:xfrm>
-          <a:prstGeom prst="rect">
-            <a:avLst/>
-          </a:prstGeom>
-        </p:spPr>
-      </p:pic>
-    </p:spTree>
-    <p:extLst>
-      <p:ext uri="{BB962C8B-B14F-4D97-AF65-F5344CB8AC3E}">
-        <p14:creationId xmlns:p14="http://schemas.microsoft.com/office/powerpoint/2010/main" val="1072808775"/>
       </p:ext>
     </p:extLst>
   </p:cSld>
@@ -9175,6 +9196,229 @@
           <a:lstStyle/>
           <a:p>
             <a:r>
+              <a:rPr lang="en-CA" sz="4400" dirty="0"/>
+              <a:t>Reproducibility Checklist</a:t>
+            </a:r>
+            <a:endParaRPr lang="en-US" dirty="0"/>
+          </a:p>
+        </p:txBody>
+      </p:sp>
+      <p:sp>
+        <p:nvSpPr>
+          <p:cNvPr id="3" name="Content Placeholder 2">
+            <a:extLst>
+              <a:ext uri="{FF2B5EF4-FFF2-40B4-BE49-F238E27FC236}">
+                <a16:creationId xmlns:a16="http://schemas.microsoft.com/office/drawing/2014/main" id="{7C6B6CDB-BDEE-B147-BA18-5023125F8469}"/>
+              </a:ext>
+            </a:extLst>
+          </p:cNvPr>
+          <p:cNvSpPr>
+            <a:spLocks noGrp="1"/>
+          </p:cNvSpPr>
+          <p:nvPr>
+            <p:ph idx="1"/>
+          </p:nvPr>
+        </p:nvSpPr>
+        <p:spPr>
+          <a:xfrm>
+            <a:off x="385872" y="1272728"/>
+            <a:ext cx="10875686" cy="4713134"/>
+          </a:xfrm>
+        </p:spPr>
+        <p:txBody>
+          <a:bodyPr>
+            <a:noAutofit/>
+          </a:bodyPr>
+          <a:lstStyle/>
+          <a:p>
+            <a:r>
+              <a:rPr lang="en-CA" sz="1900" b="1" i="0" u="none" strike="noStrike" dirty="0">
+                <a:effectLst/>
+              </a:rPr>
+              <a:t>Is your manuscript written in a reproducible format? (R Markdown, </a:t>
+            </a:r>
+            <a:r>
+              <a:rPr lang="en-CA" sz="1900" b="1" i="0" u="none" strike="noStrike" dirty="0" err="1">
+                <a:effectLst/>
+              </a:rPr>
+              <a:t>Jupyter</a:t>
+            </a:r>
+            <a:r>
+              <a:rPr lang="en-CA" sz="1900" b="1" i="0" u="none" strike="noStrike" dirty="0">
+                <a:effectLst/>
+              </a:rPr>
+              <a:t> Notebook)</a:t>
+            </a:r>
+          </a:p>
+          <a:p>
+            <a:pPr lvl="1"/>
+            <a:r>
+              <a:rPr lang="en-CA" sz="1900" dirty="0"/>
+              <a:t>D</a:t>
+            </a:r>
+            <a:r>
+              <a:rPr lang="en-CA" sz="1900" i="0" u="none" strike="noStrike" dirty="0">
+                <a:effectLst/>
+              </a:rPr>
+              <a:t>o you report statistics and other numbers using inline code?</a:t>
+            </a:r>
+          </a:p>
+          <a:p>
+            <a:pPr lvl="1"/>
+            <a:r>
+              <a:rPr lang="en-CA" sz="1900" dirty="0"/>
+              <a:t>Do you generate, report, and embed tables and figures using code?</a:t>
+            </a:r>
+          </a:p>
+          <a:p>
+            <a:pPr lvl="1"/>
+            <a:r>
+              <a:rPr lang="en-CA" sz="1900" i="0" u="none" strike="noStrike" dirty="0">
+                <a:effectLst/>
+              </a:rPr>
+              <a:t>Is all your</a:t>
+            </a:r>
+            <a:r>
+              <a:rPr lang="en-CA" sz="1900" dirty="0"/>
+              <a:t> project code called within your manuscript?</a:t>
+            </a:r>
+          </a:p>
+          <a:p>
+            <a:pPr lvl="2"/>
+            <a:r>
+              <a:rPr lang="en-CA" sz="1700" i="0" u="none" strike="noStrike" dirty="0">
+                <a:effectLst/>
+              </a:rPr>
+              <a:t>If yes, consider splitting project code into separate script files, then calling those within the manuscript for readability</a:t>
+            </a:r>
+          </a:p>
+          <a:p>
+            <a:pPr lvl="1"/>
+            <a:r>
+              <a:rPr lang="en-CA" sz="1900" dirty="0"/>
+              <a:t>Is your manuscript output suitable for the forum you plan to share it in? (Preprint, Journal, Talk, Website)</a:t>
+            </a:r>
+          </a:p>
+          <a:p>
+            <a:pPr lvl="2"/>
+            <a:r>
+              <a:rPr lang="en-CA" sz="1700" i="0" u="none" strike="noStrike" dirty="0">
+                <a:effectLst/>
+              </a:rPr>
+              <a:t>If no, </a:t>
+            </a:r>
+            <a:r>
+              <a:rPr lang="en-CA" sz="1700" dirty="0"/>
+              <a:t>do you document the additional steps needed to finish formatting your manuscript?</a:t>
+            </a:r>
+          </a:p>
+          <a:p>
+            <a:r>
+              <a:rPr lang="en-CA" sz="1900" b="1" i="0" u="none" strike="noStrike" dirty="0">
+                <a:effectLst/>
+              </a:rPr>
+              <a:t>Have you gotten anyone to try to reproduce your results?</a:t>
+            </a:r>
+          </a:p>
+          <a:p>
+            <a:pPr lvl="1"/>
+            <a:r>
+              <a:rPr lang="en-CA" sz="1900" dirty="0"/>
+              <a:t>Were they successful?</a:t>
+            </a:r>
+            <a:endParaRPr lang="en-CA" sz="1900" i="0" u="none" strike="noStrike" dirty="0">
+              <a:effectLst/>
+            </a:endParaRPr>
+          </a:p>
+        </p:txBody>
+      </p:sp>
+      <p:pic>
+        <p:nvPicPr>
+          <p:cNvPr id="4" name="Picture 3" descr="Shape&#10;&#10;Description automatically generated">
+            <a:extLst>
+              <a:ext uri="{FF2B5EF4-FFF2-40B4-BE49-F238E27FC236}">
+                <a16:creationId xmlns:a16="http://schemas.microsoft.com/office/drawing/2014/main" id="{55E47950-7388-9445-8993-33ED5BE2AB07}"/>
+              </a:ext>
+            </a:extLst>
+          </p:cNvPr>
+          <p:cNvPicPr>
+            <a:picLocks noChangeAspect="1"/>
+          </p:cNvPicPr>
+          <p:nvPr/>
+        </p:nvPicPr>
+        <p:blipFill>
+          <a:blip r:embed="rId2"/>
+          <a:stretch>
+            <a:fillRect/>
+          </a:stretch>
+        </p:blipFill>
+        <p:spPr>
+          <a:xfrm>
+            <a:off x="10693849" y="5245658"/>
+            <a:ext cx="1667940" cy="1667940"/>
+          </a:xfrm>
+          <a:prstGeom prst="rect">
+            <a:avLst/>
+          </a:prstGeom>
+        </p:spPr>
+      </p:pic>
+    </p:spTree>
+    <p:extLst>
+      <p:ext uri="{BB962C8B-B14F-4D97-AF65-F5344CB8AC3E}">
+        <p14:creationId xmlns:p14="http://schemas.microsoft.com/office/powerpoint/2010/main" val="1072808775"/>
+      </p:ext>
+    </p:extLst>
+  </p:cSld>
+  <p:clrMapOvr>
+    <a:masterClrMapping/>
+  </p:clrMapOvr>
+</p:sld>
+</file>
+
+<file path=ppt/slides/slide21.xml><?xml version="1.0" encoding="utf-8"?>
+<p:sld xmlns:a="http://schemas.openxmlformats.org/drawingml/2006/main" xmlns:r="http://schemas.openxmlformats.org/officeDocument/2006/relationships" xmlns:p="http://schemas.openxmlformats.org/presentationml/2006/main">
+  <p:cSld>
+    <p:spTree>
+      <p:nvGrpSpPr>
+        <p:cNvPr id="1" name=""/>
+        <p:cNvGrpSpPr/>
+        <p:nvPr/>
+      </p:nvGrpSpPr>
+      <p:grpSpPr>
+        <a:xfrm>
+          <a:off x="0" y="0"/>
+          <a:ext cx="0" cy="0"/>
+          <a:chOff x="0" y="0"/>
+          <a:chExt cx="0" cy="0"/>
+        </a:xfrm>
+      </p:grpSpPr>
+      <p:sp>
+        <p:nvSpPr>
+          <p:cNvPr id="2" name="Title 1">
+            <a:extLst>
+              <a:ext uri="{FF2B5EF4-FFF2-40B4-BE49-F238E27FC236}">
+                <a16:creationId xmlns:a16="http://schemas.microsoft.com/office/drawing/2014/main" id="{AA18194F-CF50-7243-93E2-C559EF7DE68B}"/>
+              </a:ext>
+            </a:extLst>
+          </p:cNvPr>
+          <p:cNvSpPr>
+            <a:spLocks noGrp="1"/>
+          </p:cNvSpPr>
+          <p:nvPr>
+            <p:ph type="title"/>
+          </p:nvPr>
+        </p:nvSpPr>
+        <p:spPr>
+          <a:xfrm>
+            <a:off x="385872" y="-186612"/>
+            <a:ext cx="11673869" cy="1112168"/>
+          </a:xfrm>
+        </p:spPr>
+        <p:txBody>
+          <a:bodyPr/>
+          <a:lstStyle/>
+          <a:p>
+            <a:r>
               <a:rPr lang="en-US" sz="4400" dirty="0"/>
               <a:t>Challenges</a:t>
             </a:r>
@@ -9368,7 +9612,7 @@
 </p:sld>
 </file>
 
-<file path=ppt/slides/slide21.xml><?xml version="1.0" encoding="utf-8"?>
+<file path=ppt/slides/slide22.xml><?xml version="1.0" encoding="utf-8"?>
 <p:sld xmlns:a="http://schemas.openxmlformats.org/drawingml/2006/main" xmlns:r="http://schemas.openxmlformats.org/officeDocument/2006/relationships" xmlns:p="http://schemas.openxmlformats.org/presentationml/2006/main">
   <p:cSld>
     <p:spTree>
@@ -9475,7 +9719,7 @@
 </p:sld>
 </file>
 
-<file path=ppt/slides/slide22.xml><?xml version="1.0" encoding="utf-8"?>
+<file path=ppt/slides/slide23.xml><?xml version="1.0" encoding="utf-8"?>
 <p:sld xmlns:a="http://schemas.openxmlformats.org/drawingml/2006/main" xmlns:r="http://schemas.openxmlformats.org/officeDocument/2006/relationships" xmlns:p="http://schemas.openxmlformats.org/presentationml/2006/main">
   <p:cSld>
     <p:spTree>
@@ -9881,7 +10125,7 @@
 </p:sld>
 </file>
 
-<file path=ppt/slides/slide23.xml><?xml version="1.0" encoding="utf-8"?>
+<file path=ppt/slides/slide24.xml><?xml version="1.0" encoding="utf-8"?>
 <p:sld xmlns:a="http://schemas.openxmlformats.org/drawingml/2006/main" xmlns:r="http://schemas.openxmlformats.org/officeDocument/2006/relationships" xmlns:p="http://schemas.openxmlformats.org/presentationml/2006/main">
   <p:cSld>
     <p:spTree>
@@ -10020,36 +10264,46 @@
               </a:rPr>
               <a:t>OSF</a:t>
             </a:r>
-            <a:endParaRPr lang="en-CA" sz="2400" dirty="0"/>
-          </a:p>
-          <a:p>
-            <a:r>
-              <a:rPr lang="en-CA" sz="2400" dirty="0"/>
-              <a:t>Data repositories:</a:t>
-            </a:r>
-          </a:p>
-          <a:p>
-            <a:pPr lvl="1"/>
+            <a:r>
+              <a:rPr lang="en-CA" sz="2400" dirty="0"/>
+              <a:t> and </a:t>
+            </a:r>
             <a:r>
               <a:rPr lang="en-CA" sz="2400" dirty="0" err="1">
                 <a:hlinkClick r:id="rId7"/>
               </a:rPr>
+              <a:t>osfr</a:t>
+            </a:r>
+            <a:endParaRPr lang="en-CA" sz="2400" dirty="0"/>
+          </a:p>
+          <a:p>
+            <a:r>
+              <a:rPr lang="en-CA" sz="2400" dirty="0"/>
+              <a:t>Data repositories:</a:t>
+            </a:r>
+          </a:p>
+          <a:p>
+            <a:pPr lvl="1"/>
+            <a:r>
+              <a:rPr lang="en-CA" sz="2400" dirty="0" err="1">
+                <a:hlinkClick r:id="rId8"/>
+              </a:rPr>
               <a:t>UCalgary</a:t>
             </a:r>
-            <a:r>
-              <a:rPr lang="en-CA" sz="2400" dirty="0">
-                <a:hlinkClick r:id="rId7"/>
-              </a:rPr>
-              <a:t> Library Guide</a:t>
-            </a:r>
-            <a:endParaRPr lang="en-CA" sz="2400" dirty="0"/>
-          </a:p>
-          <a:p>
-            <a:pPr lvl="1"/>
             <a:r>
               <a:rPr lang="en-CA" sz="2400" dirty="0">
                 <a:hlinkClick r:id="rId8"/>
               </a:rPr>
+              <a:t> Library Guide</a:t>
+            </a:r>
+            <a:endParaRPr lang="en-CA" sz="2400" dirty="0"/>
+          </a:p>
+          <a:p>
+            <a:pPr lvl="1"/>
+            <a:r>
+              <a:rPr lang="en-CA" sz="2400" dirty="0">
+                <a:hlinkClick r:id="rId9"/>
+              </a:rPr>
               <a:t>Nature Recommended Data Repositories</a:t>
             </a:r>
             <a:endParaRPr lang="en-CA" sz="2400" dirty="0"/>
@@ -10066,7 +10320,7 @@
             <a:pPr lvl="1"/>
             <a:r>
               <a:rPr lang="en-CA" sz="2400" dirty="0">
-                <a:hlinkClick r:id="rId9"/>
+                <a:hlinkClick r:id="rId10"/>
               </a:rPr>
               <a:t>Docker</a:t>
             </a:r>
@@ -10077,7 +10331,7 @@
             <a:r>
               <a:rPr lang="en-CA" sz="2400" dirty="0">
                 <a:effectLst/>
-                <a:hlinkClick r:id="rId10"/>
+                <a:hlinkClick r:id="rId11"/>
               </a:rPr>
               <a:t>Code Ocean</a:t>
             </a:r>
@@ -10095,7 +10349,7 @@
             <a:pPr lvl="1"/>
             <a:r>
               <a:rPr lang="en-CA" sz="2400" dirty="0">
-                <a:hlinkClick r:id="rId11"/>
+                <a:hlinkClick r:id="rId12"/>
               </a:rPr>
               <a:t>GitHub Actions</a:t>
             </a:r>
@@ -10114,7 +10368,7 @@
             <a:r>
               <a:rPr lang="en-CA" sz="2400" dirty="0" err="1">
                 <a:effectLst/>
-                <a:hlinkClick r:id="rId12"/>
+                <a:hlinkClick r:id="rId13"/>
               </a:rPr>
               <a:t>Netlify</a:t>
             </a:r>
@@ -10139,7 +10393,7 @@
           <p:nvPr/>
         </p:nvPicPr>
         <p:blipFill>
-          <a:blip r:embed="rId13"/>
+          <a:blip r:embed="rId14"/>
           <a:stretch>
             <a:fillRect/>
           </a:stretch>
@@ -10167,7 +10421,7 @@
 </p:sld>
 </file>
 
-<file path=ppt/slides/slide24.xml><?xml version="1.0" encoding="utf-8"?>
+<file path=ppt/slides/slide25.xml><?xml version="1.0" encoding="utf-8"?>
 <p:sld xmlns:a="http://schemas.openxmlformats.org/drawingml/2006/main" xmlns:r="http://schemas.openxmlformats.org/officeDocument/2006/relationships" xmlns:p="http://schemas.openxmlformats.org/presentationml/2006/main">
   <p:cSld>
     <p:spTree>
@@ -10747,7 +11001,13 @@
               <a:rPr lang="en-CA" sz="2400" dirty="0" err="1">
                 <a:hlinkClick r:id="rId26"/>
               </a:rPr>
-              <a:t>citr</a:t>
+              <a:t>c</a:t>
+            </a:r>
+            <a:r>
+              <a:rPr lang="en-CA" sz="2400" dirty="0" err="1">
+                <a:hlinkClick r:id="rId26"/>
+              </a:rPr>
+              <a:t>itr</a:t>
             </a:r>
             <a:endParaRPr lang="en-CA" sz="2400" dirty="0"/>
           </a:p>
@@ -10799,7 +11059,7 @@
 </p:sld>
 </file>
 
-<file path=ppt/slides/slide25.xml><?xml version="1.0" encoding="utf-8"?>
+<file path=ppt/slides/slide26.xml><?xml version="1.0" encoding="utf-8"?>
 <p:sld xmlns:a="http://schemas.openxmlformats.org/drawingml/2006/main" xmlns:r="http://schemas.openxmlformats.org/officeDocument/2006/relationships" xmlns:p="http://schemas.openxmlformats.org/presentationml/2006/main">
   <p:cSld>
     <p:spTree>
@@ -11107,7 +11367,7 @@
 </p:sld>
 </file>
 
-<file path=ppt/slides/slide26.xml><?xml version="1.0" encoding="utf-8"?>
+<file path=ppt/slides/slide27.xml><?xml version="1.0" encoding="utf-8"?>
 <p:sld xmlns:a="http://schemas.openxmlformats.org/drawingml/2006/main" xmlns:r="http://schemas.openxmlformats.org/officeDocument/2006/relationships" xmlns:p="http://schemas.openxmlformats.org/presentationml/2006/main">
   <p:cSld>
     <p:spTree>
@@ -11408,7 +11668,7 @@
 </p:sld>
 </file>
 
-<file path=ppt/slides/slide27.xml><?xml version="1.0" encoding="utf-8"?>
+<file path=ppt/slides/slide28.xml><?xml version="1.0" encoding="utf-8"?>
 <p:sld xmlns:a="http://schemas.openxmlformats.org/drawingml/2006/main" xmlns:r="http://schemas.openxmlformats.org/officeDocument/2006/relationships" xmlns:p="http://schemas.openxmlformats.org/presentationml/2006/main">
   <p:cSld>
     <p:spTree>
